--- a/網際服務軟體工程-期末報告.pptx
+++ b/網際服務軟體工程-期末報告.pptx
@@ -864,7 +864,7 @@
             <a:fld id="{8E36636D-D922-432D-A958-524484B5923D}" type="datetimeFigureOut">
               <a:rPr lang="en-US" smtClean="0"/>
               <a:pPr/>
-              <a:t>6/21/2016</a:t>
+              <a:t>6/22/2016</a:t>
             </a:fld>
             <a:endParaRPr lang="en-US" dirty="0"/>
           </a:p>
@@ -1116,7 +1116,7 @@
           <a:p>
             <a:fld id="{48A87A34-81AB-432B-8DAE-1953F412C126}" type="datetimeFigureOut">
               <a:rPr lang="en-US" smtClean="0"/>
-              <a:t>6/21/2016</a:t>
+              <a:t>6/22/2016</a:t>
             </a:fld>
             <a:endParaRPr lang="en-US" dirty="0"/>
           </a:p>
@@ -1430,7 +1430,7 @@
           <a:p>
             <a:fld id="{48A87A34-81AB-432B-8DAE-1953F412C126}" type="datetimeFigureOut">
               <a:rPr lang="en-US" smtClean="0"/>
-              <a:t>6/21/2016</a:t>
+              <a:t>6/22/2016</a:t>
             </a:fld>
             <a:endParaRPr lang="en-US" dirty="0"/>
           </a:p>
@@ -1771,7 +1771,7 @@
           <a:p>
             <a:fld id="{48A87A34-81AB-432B-8DAE-1953F412C126}" type="datetimeFigureOut">
               <a:rPr lang="en-US" smtClean="0"/>
-              <a:t>6/21/2016</a:t>
+              <a:t>6/22/2016</a:t>
             </a:fld>
             <a:endParaRPr lang="en-US" dirty="0"/>
           </a:p>
@@ -2086,7 +2086,7 @@
             <a:fld id="{8E36636D-D922-432D-A958-524484B5923D}" type="datetimeFigureOut">
               <a:rPr lang="en-US" smtClean="0"/>
               <a:pPr/>
-              <a:t>6/21/2016</a:t>
+              <a:t>6/22/2016</a:t>
             </a:fld>
             <a:endParaRPr lang="en-US" dirty="0"/>
           </a:p>
@@ -2481,7 +2481,7 @@
             <a:fld id="{8E36636D-D922-432D-A958-524484B5923D}" type="datetimeFigureOut">
               <a:rPr lang="en-US" smtClean="0"/>
               <a:pPr/>
-              <a:t>6/21/2016</a:t>
+              <a:t>6/22/2016</a:t>
             </a:fld>
             <a:endParaRPr lang="en-US" dirty="0"/>
           </a:p>
@@ -2653,7 +2653,7 @@
             <a:fld id="{8E36636D-D922-432D-A958-524484B5923D}" type="datetimeFigureOut">
               <a:rPr lang="en-US" smtClean="0"/>
               <a:pPr/>
-              <a:t>6/21/2016</a:t>
+              <a:t>6/22/2016</a:t>
             </a:fld>
             <a:endParaRPr lang="en-US" dirty="0"/>
           </a:p>
@@ -2835,7 +2835,7 @@
             <a:fld id="{8E36636D-D922-432D-A958-524484B5923D}" type="datetimeFigureOut">
               <a:rPr lang="en-US" smtClean="0"/>
               <a:pPr/>
-              <a:t>6/21/2016</a:t>
+              <a:t>6/22/2016</a:t>
             </a:fld>
             <a:endParaRPr lang="en-US" dirty="0"/>
           </a:p>
@@ -3013,7 +3013,7 @@
             <a:fld id="{8E36636D-D922-432D-A958-524484B5923D}" type="datetimeFigureOut">
               <a:rPr lang="en-US" smtClean="0"/>
               <a:pPr/>
-              <a:t>6/21/2016</a:t>
+              <a:t>6/22/2016</a:t>
             </a:fld>
             <a:endParaRPr lang="en-US" dirty="0"/>
           </a:p>
@@ -3262,7 +3262,7 @@
             <a:fld id="{8E36636D-D922-432D-A958-524484B5923D}" type="datetimeFigureOut">
               <a:rPr lang="en-US" smtClean="0"/>
               <a:pPr/>
-              <a:t>6/21/2016</a:t>
+              <a:t>6/22/2016</a:t>
             </a:fld>
             <a:endParaRPr lang="en-US" dirty="0"/>
           </a:p>
@@ -3496,7 +3496,7 @@
             <a:fld id="{8E36636D-D922-432D-A958-524484B5923D}" type="datetimeFigureOut">
               <a:rPr lang="en-US" smtClean="0"/>
               <a:pPr/>
-              <a:t>6/21/2016</a:t>
+              <a:t>6/22/2016</a:t>
             </a:fld>
             <a:endParaRPr lang="en-US" dirty="0"/>
           </a:p>
@@ -3872,7 +3872,7 @@
             <a:fld id="{8E36636D-D922-432D-A958-524484B5923D}" type="datetimeFigureOut">
               <a:rPr lang="en-US" smtClean="0"/>
               <a:pPr/>
-              <a:t>6/21/2016</a:t>
+              <a:t>6/22/2016</a:t>
             </a:fld>
             <a:endParaRPr lang="en-US" dirty="0"/>
           </a:p>
@@ -3997,7 +3997,7 @@
             <a:fld id="{8E36636D-D922-432D-A958-524484B5923D}" type="datetimeFigureOut">
               <a:rPr lang="en-US" smtClean="0"/>
               <a:pPr/>
-              <a:t>6/21/2016</a:t>
+              <a:t>6/22/2016</a:t>
             </a:fld>
             <a:endParaRPr lang="en-US" dirty="0"/>
           </a:p>
@@ -4094,7 +4094,7 @@
             <a:fld id="{8E36636D-D922-432D-A958-524484B5923D}" type="datetimeFigureOut">
               <a:rPr lang="en-US" smtClean="0"/>
               <a:pPr/>
-              <a:t>6/21/2016</a:t>
+              <a:t>6/22/2016</a:t>
             </a:fld>
             <a:endParaRPr lang="en-US" dirty="0"/>
           </a:p>
@@ -4351,7 +4351,7 @@
             <a:fld id="{8E36636D-D922-432D-A958-524484B5923D}" type="datetimeFigureOut">
               <a:rPr lang="en-US" smtClean="0"/>
               <a:pPr/>
-              <a:t>6/21/2016</a:t>
+              <a:t>6/22/2016</a:t>
             </a:fld>
             <a:endParaRPr lang="en-US" dirty="0"/>
           </a:p>
@@ -4616,7 +4616,7 @@
             <a:fld id="{8E36636D-D922-432D-A958-524484B5923D}" type="datetimeFigureOut">
               <a:rPr lang="en-US" smtClean="0"/>
               <a:pPr/>
-              <a:t>6/21/2016</a:t>
+              <a:t>6/22/2016</a:t>
             </a:fld>
             <a:endParaRPr lang="en-US" dirty="0"/>
           </a:p>
@@ -5361,7 +5361,7 @@
             <a:fld id="{8E36636D-D922-432D-A958-524484B5923D}" type="datetimeFigureOut">
               <a:rPr lang="en-US" smtClean="0"/>
               <a:pPr/>
-              <a:t>6/21/2016</a:t>
+              <a:t>6/22/2016</a:t>
             </a:fld>
             <a:endParaRPr lang="en-US" dirty="0"/>
           </a:p>
@@ -5924,11 +5924,7 @@
             </a:r>
             <a:r>
               <a:rPr lang="zh-TW" altLang="en-US" dirty="0" smtClean="0"/>
-              <a:t>期末</a:t>
-            </a:r>
-            <a:r>
-              <a:rPr lang="zh-TW" altLang="en-US" dirty="0" smtClean="0"/>
-              <a:t>報告</a:t>
+              <a:t>期末報告</a:t>
             </a:r>
             <a:endParaRPr lang="zh-TW" altLang="en-US" dirty="0"/>
           </a:p>
@@ -7451,7 +7447,6 @@
               <a:rPr lang="en-US" altLang="zh-TW" sz="2500" dirty="0" smtClean="0"/>
               <a:t>D3.js</a:t>
             </a:r>
-            <a:endParaRPr lang="en-US" altLang="zh-TW" sz="2500" dirty="0" smtClean="0"/>
           </a:p>
           <a:p>
             <a:r>
@@ -8666,7 +8661,7 @@
         </p:blipFill>
         <p:spPr>
           <a:xfrm>
-            <a:off x="340811" y="2660707"/>
+            <a:off x="839575" y="1930400"/>
             <a:ext cx="9269713" cy="2314573"/>
           </a:xfrm>
           <a:prstGeom prst="rect">
@@ -8774,7 +8769,23 @@
             </a:r>
             <a:r>
               <a:rPr lang="zh-TW" altLang="en-US" dirty="0" smtClean="0"/>
-              <a:t> 前端架構設計、網頁美工設計、後端</a:t>
+              <a:t> 前端架構設計</a:t>
+            </a:r>
+            <a:r>
+              <a:rPr lang="zh-TW" altLang="en-US" dirty="0" smtClean="0"/>
+              <a:t>、</a:t>
+            </a:r>
+            <a:r>
+              <a:rPr lang="en-US" altLang="zh-TW" dirty="0" smtClean="0"/>
+              <a:t>D3js</a:t>
+            </a:r>
+            <a:r>
+              <a:rPr lang="zh-TW" altLang="en-US" smtClean="0"/>
+              <a:t>圖形設計、</a:t>
+            </a:r>
+            <a:r>
+              <a:rPr lang="zh-TW" altLang="en-US" dirty="0" smtClean="0"/>
+              <a:t>後端</a:t>
             </a:r>
             <a:r>
               <a:rPr lang="en-US" altLang="zh-TW" dirty="0" smtClean="0"/>
@@ -8918,7 +8929,19 @@
             </a:r>
             <a:r>
               <a:rPr lang="zh-TW" altLang="en-US" dirty="0" smtClean="0"/>
-              <a:t> 後臺架設、</a:t>
+              <a:t> </a:t>
+            </a:r>
+            <a:r>
+              <a:rPr lang="en-US" altLang="zh-TW" dirty="0" err="1" smtClean="0"/>
+              <a:t>linux</a:t>
+            </a:r>
+            <a:r>
+              <a:rPr lang="zh-TW" altLang="en-US" dirty="0" smtClean="0"/>
+              <a:t>後</a:t>
+            </a:r>
+            <a:r>
+              <a:rPr lang="zh-TW" altLang="en-US" dirty="0" smtClean="0"/>
+              <a:t>臺架設、</a:t>
             </a:r>
             <a:r>
               <a:rPr lang="zh-TW" altLang="en-US" dirty="0"/>
